--- a/assets uarm/2024 1/moderna/Kant - Essay on maladies of the head.pptx
+++ b/assets uarm/2024 1/moderna/Kant - Essay on maladies of the head.pptx
@@ -263,7 +263,7 @@
           <a:p>
             <a:fld id="{78069712-D897-4186-B940-61CE64542C64}" type="datetimeFigureOut">
               <a:rPr lang="es-PE" smtClean="0"/>
-              <a:t>2/11/2023</a:t>
+              <a:t>20/07/2024</a:t>
             </a:fld>
             <a:endParaRPr lang="es-PE"/>
           </a:p>
@@ -433,7 +433,7 @@
           <a:p>
             <a:fld id="{78069712-D897-4186-B940-61CE64542C64}" type="datetimeFigureOut">
               <a:rPr lang="es-PE" smtClean="0"/>
-              <a:t>2/11/2023</a:t>
+              <a:t>20/07/2024</a:t>
             </a:fld>
             <a:endParaRPr lang="es-PE"/>
           </a:p>
@@ -613,7 +613,7 @@
           <a:p>
             <a:fld id="{78069712-D897-4186-B940-61CE64542C64}" type="datetimeFigureOut">
               <a:rPr lang="es-PE" smtClean="0"/>
-              <a:t>2/11/2023</a:t>
+              <a:t>20/07/2024</a:t>
             </a:fld>
             <a:endParaRPr lang="es-PE"/>
           </a:p>
@@ -783,7 +783,7 @@
           <a:p>
             <a:fld id="{78069712-D897-4186-B940-61CE64542C64}" type="datetimeFigureOut">
               <a:rPr lang="es-PE" smtClean="0"/>
-              <a:t>2/11/2023</a:t>
+              <a:t>20/07/2024</a:t>
             </a:fld>
             <a:endParaRPr lang="es-PE"/>
           </a:p>
@@ -1029,7 +1029,7 @@
           <a:p>
             <a:fld id="{78069712-D897-4186-B940-61CE64542C64}" type="datetimeFigureOut">
               <a:rPr lang="es-PE" smtClean="0"/>
-              <a:t>2/11/2023</a:t>
+              <a:t>20/07/2024</a:t>
             </a:fld>
             <a:endParaRPr lang="es-PE"/>
           </a:p>
@@ -1261,7 +1261,7 @@
           <a:p>
             <a:fld id="{78069712-D897-4186-B940-61CE64542C64}" type="datetimeFigureOut">
               <a:rPr lang="es-PE" smtClean="0"/>
-              <a:t>2/11/2023</a:t>
+              <a:t>20/07/2024</a:t>
             </a:fld>
             <a:endParaRPr lang="es-PE"/>
           </a:p>
@@ -1628,7 +1628,7 @@
           <a:p>
             <a:fld id="{78069712-D897-4186-B940-61CE64542C64}" type="datetimeFigureOut">
               <a:rPr lang="es-PE" smtClean="0"/>
-              <a:t>2/11/2023</a:t>
+              <a:t>20/07/2024</a:t>
             </a:fld>
             <a:endParaRPr lang="es-PE"/>
           </a:p>
@@ -1746,7 +1746,7 @@
           <a:p>
             <a:fld id="{78069712-D897-4186-B940-61CE64542C64}" type="datetimeFigureOut">
               <a:rPr lang="es-PE" smtClean="0"/>
-              <a:t>2/11/2023</a:t>
+              <a:t>20/07/2024</a:t>
             </a:fld>
             <a:endParaRPr lang="es-PE"/>
           </a:p>
@@ -1841,7 +1841,7 @@
           <a:p>
             <a:fld id="{78069712-D897-4186-B940-61CE64542C64}" type="datetimeFigureOut">
               <a:rPr lang="es-PE" smtClean="0"/>
-              <a:t>2/11/2023</a:t>
+              <a:t>20/07/2024</a:t>
             </a:fld>
             <a:endParaRPr lang="es-PE"/>
           </a:p>
@@ -2118,7 +2118,7 @@
           <a:p>
             <a:fld id="{78069712-D897-4186-B940-61CE64542C64}" type="datetimeFigureOut">
               <a:rPr lang="es-PE" smtClean="0"/>
-              <a:t>2/11/2023</a:t>
+              <a:t>20/07/2024</a:t>
             </a:fld>
             <a:endParaRPr lang="es-PE"/>
           </a:p>
@@ -2371,7 +2371,7 @@
           <a:p>
             <a:fld id="{78069712-D897-4186-B940-61CE64542C64}" type="datetimeFigureOut">
               <a:rPr lang="es-PE" smtClean="0"/>
-              <a:t>2/11/2023</a:t>
+              <a:t>20/07/2024</a:t>
             </a:fld>
             <a:endParaRPr lang="es-PE"/>
           </a:p>
@@ -2584,7 +2584,7 @@
           <a:p>
             <a:fld id="{78069712-D897-4186-B940-61CE64542C64}" type="datetimeFigureOut">
               <a:rPr lang="es-PE" smtClean="0"/>
-              <a:t>2/11/2023</a:t>
+              <a:t>20/07/2024</a:t>
             </a:fld>
             <a:endParaRPr lang="es-PE"/>
           </a:p>
@@ -3887,108 +3887,251 @@
           </a:p>
         </p:txBody>
       </p:sp>
-      <p:sp>
-        <p:nvSpPr>
-          <p:cNvPr id="5" name="Rectángulo 4"/>
-          <p:cNvSpPr/>
-          <p:nvPr/>
-        </p:nvSpPr>
-        <p:spPr>
-          <a:xfrm>
-            <a:off x="1240971" y="2155371"/>
-            <a:ext cx="10215155" cy="522515"/>
-          </a:xfrm>
-          <a:prstGeom prst="rect">
-            <a:avLst/>
-          </a:prstGeom>
-          <a:noFill/>
-          <a:ln w="57150">
+      <p:cxnSp>
+        <p:nvCxnSpPr>
+          <p:cNvPr id="8" name="Conector recto 7"/>
+          <p:cNvCxnSpPr/>
+          <p:nvPr/>
+        </p:nvCxnSpPr>
+        <p:spPr>
+          <a:xfrm>
+            <a:off x="10515600" y="2168769"/>
+            <a:ext cx="949569" cy="0"/>
+          </a:xfrm>
+          <a:prstGeom prst="line">
+            <a:avLst/>
+          </a:prstGeom>
+          <a:ln w="76200">
             <a:solidFill>
               <a:srgbClr val="FF0000"/>
             </a:solidFill>
           </a:ln>
         </p:spPr>
         <p:style>
-          <a:lnRef idx="2">
-            <a:schemeClr val="accent1">
-              <a:shade val="50000"/>
-            </a:schemeClr>
-          </a:lnRef>
-          <a:fillRef idx="1">
-            <a:schemeClr val="accent1"/>
-          </a:fillRef>
-          <a:effectRef idx="0">
-            <a:schemeClr val="accent1"/>
-          </a:effectRef>
-          <a:fontRef idx="minor">
-            <a:schemeClr val="lt1"/>
-          </a:fontRef>
-        </p:style>
-        <p:txBody>
-          <a:bodyPr rot="0" spcFirstLastPara="0" vertOverflow="overflow" horzOverflow="overflow" vert="horz" wrap="square" lIns="91440" tIns="45720" rIns="91440" bIns="45720" numCol="1" spcCol="0" rtlCol="0" fromWordArt="0" anchor="ctr" anchorCtr="0" forceAA="0" compatLnSpc="1">
-            <a:prstTxWarp prst="textNoShape">
-              <a:avLst/>
-            </a:prstTxWarp>
-            <a:noAutofit/>
-          </a:bodyPr>
-          <a:lstStyle/>
-          <a:p>
-            <a:pPr algn="ctr"/>
-            <a:endParaRPr lang="es-PE"/>
-          </a:p>
-        </p:txBody>
-      </p:sp>
-      <p:sp>
-        <p:nvSpPr>
-          <p:cNvPr id="6" name="Rectángulo 5"/>
-          <p:cNvSpPr/>
-          <p:nvPr/>
-        </p:nvSpPr>
-        <p:spPr>
-          <a:xfrm>
-            <a:off x="413657" y="2677886"/>
-            <a:ext cx="11199223" cy="2617128"/>
-          </a:xfrm>
-          <a:prstGeom prst="rect">
-            <a:avLst/>
-          </a:prstGeom>
-          <a:noFill/>
-          <a:ln w="57150">
+          <a:lnRef idx="1">
+            <a:schemeClr val="accent2"/>
+          </a:lnRef>
+          <a:fillRef idx="0">
+            <a:schemeClr val="accent2"/>
+          </a:fillRef>
+          <a:effectRef idx="0">
+            <a:schemeClr val="accent2"/>
+          </a:effectRef>
+          <a:fontRef idx="minor">
+            <a:schemeClr val="tx1"/>
+          </a:fontRef>
+        </p:style>
+      </p:cxnSp>
+      <p:cxnSp>
+        <p:nvCxnSpPr>
+          <p:cNvPr id="11" name="Conector recto 10"/>
+          <p:cNvCxnSpPr/>
+          <p:nvPr/>
+        </p:nvCxnSpPr>
+        <p:spPr>
+          <a:xfrm flipV="1">
+            <a:off x="616688" y="2649415"/>
+            <a:ext cx="10738884" cy="23447"/>
+          </a:xfrm>
+          <a:prstGeom prst="line">
+            <a:avLst/>
+          </a:prstGeom>
+          <a:ln w="76200">
             <a:solidFill>
               <a:srgbClr val="FF0000"/>
             </a:solidFill>
           </a:ln>
         </p:spPr>
         <p:style>
-          <a:lnRef idx="2">
-            <a:schemeClr val="accent1">
-              <a:shade val="50000"/>
-            </a:schemeClr>
-          </a:lnRef>
-          <a:fillRef idx="1">
-            <a:schemeClr val="accent1"/>
-          </a:fillRef>
-          <a:effectRef idx="0">
-            <a:schemeClr val="accent1"/>
-          </a:effectRef>
-          <a:fontRef idx="minor">
-            <a:schemeClr val="lt1"/>
-          </a:fontRef>
-        </p:style>
-        <p:txBody>
-          <a:bodyPr rot="0" spcFirstLastPara="0" vertOverflow="overflow" horzOverflow="overflow" vert="horz" wrap="square" lIns="91440" tIns="45720" rIns="91440" bIns="45720" numCol="1" spcCol="0" rtlCol="0" fromWordArt="0" anchor="ctr" anchorCtr="0" forceAA="0" compatLnSpc="1">
-            <a:prstTxWarp prst="textNoShape">
-              <a:avLst/>
-            </a:prstTxWarp>
-            <a:noAutofit/>
-          </a:bodyPr>
-          <a:lstStyle/>
-          <a:p>
-            <a:pPr algn="ctr"/>
-            <a:endParaRPr lang="es-PE"/>
-          </a:p>
-        </p:txBody>
-      </p:sp>
+          <a:lnRef idx="1">
+            <a:schemeClr val="accent2"/>
+          </a:lnRef>
+          <a:fillRef idx="0">
+            <a:schemeClr val="accent2"/>
+          </a:fillRef>
+          <a:effectRef idx="0">
+            <a:schemeClr val="accent2"/>
+          </a:effectRef>
+          <a:fontRef idx="minor">
+            <a:schemeClr val="tx1"/>
+          </a:fontRef>
+        </p:style>
+      </p:cxnSp>
+      <p:cxnSp>
+        <p:nvCxnSpPr>
+          <p:cNvPr id="12" name="Conector recto 11"/>
+          <p:cNvCxnSpPr/>
+          <p:nvPr/>
+        </p:nvCxnSpPr>
+        <p:spPr>
+          <a:xfrm flipV="1">
+            <a:off x="625969" y="3046909"/>
+            <a:ext cx="10738884" cy="23447"/>
+          </a:xfrm>
+          <a:prstGeom prst="line">
+            <a:avLst/>
+          </a:prstGeom>
+          <a:ln w="76200">
+            <a:solidFill>
+              <a:srgbClr val="FF0000"/>
+            </a:solidFill>
+          </a:ln>
+        </p:spPr>
+        <p:style>
+          <a:lnRef idx="1">
+            <a:schemeClr val="accent2"/>
+          </a:lnRef>
+          <a:fillRef idx="0">
+            <a:schemeClr val="accent2"/>
+          </a:fillRef>
+          <a:effectRef idx="0">
+            <a:schemeClr val="accent2"/>
+          </a:effectRef>
+          <a:fontRef idx="minor">
+            <a:schemeClr val="tx1"/>
+          </a:fontRef>
+        </p:style>
+      </p:cxnSp>
+      <p:cxnSp>
+        <p:nvCxnSpPr>
+          <p:cNvPr id="13" name="Conector recto 12"/>
+          <p:cNvCxnSpPr/>
+          <p:nvPr/>
+        </p:nvCxnSpPr>
+        <p:spPr>
+          <a:xfrm flipV="1">
+            <a:off x="625969" y="3444403"/>
+            <a:ext cx="8435969" cy="50237"/>
+          </a:xfrm>
+          <a:prstGeom prst="line">
+            <a:avLst/>
+          </a:prstGeom>
+          <a:ln w="76200">
+            <a:solidFill>
+              <a:srgbClr val="FF0000"/>
+            </a:solidFill>
+          </a:ln>
+        </p:spPr>
+        <p:style>
+          <a:lnRef idx="1">
+            <a:schemeClr val="accent2"/>
+          </a:lnRef>
+          <a:fillRef idx="0">
+            <a:schemeClr val="accent2"/>
+          </a:fillRef>
+          <a:effectRef idx="0">
+            <a:schemeClr val="accent2"/>
+          </a:effectRef>
+          <a:fontRef idx="minor">
+            <a:schemeClr val="tx1"/>
+          </a:fontRef>
+        </p:style>
+      </p:cxnSp>
+      <p:cxnSp>
+        <p:nvCxnSpPr>
+          <p:cNvPr id="15" name="Conector recto 14"/>
+          <p:cNvCxnSpPr/>
+          <p:nvPr/>
+        </p:nvCxnSpPr>
+        <p:spPr>
+          <a:xfrm flipV="1">
+            <a:off x="5685692" y="4310338"/>
+            <a:ext cx="5545016" cy="9479"/>
+          </a:xfrm>
+          <a:prstGeom prst="line">
+            <a:avLst/>
+          </a:prstGeom>
+          <a:ln w="76200">
+            <a:solidFill>
+              <a:srgbClr val="FF0000"/>
+            </a:solidFill>
+          </a:ln>
+        </p:spPr>
+        <p:style>
+          <a:lnRef idx="1">
+            <a:schemeClr val="accent2"/>
+          </a:lnRef>
+          <a:fillRef idx="0">
+            <a:schemeClr val="accent2"/>
+          </a:fillRef>
+          <a:effectRef idx="0">
+            <a:schemeClr val="accent2"/>
+          </a:effectRef>
+          <a:fontRef idx="minor">
+            <a:schemeClr val="tx1"/>
+          </a:fontRef>
+        </p:style>
+      </p:cxnSp>
+      <p:cxnSp>
+        <p:nvCxnSpPr>
+          <p:cNvPr id="18" name="Conector recto 17"/>
+          <p:cNvCxnSpPr/>
+          <p:nvPr/>
+        </p:nvCxnSpPr>
+        <p:spPr>
+          <a:xfrm flipV="1">
+            <a:off x="616688" y="4769801"/>
+            <a:ext cx="10738884" cy="23447"/>
+          </a:xfrm>
+          <a:prstGeom prst="line">
+            <a:avLst/>
+          </a:prstGeom>
+          <a:ln w="76200">
+            <a:solidFill>
+              <a:srgbClr val="FF0000"/>
+            </a:solidFill>
+          </a:ln>
+        </p:spPr>
+        <p:style>
+          <a:lnRef idx="1">
+            <a:schemeClr val="accent2"/>
+          </a:lnRef>
+          <a:fillRef idx="0">
+            <a:schemeClr val="accent2"/>
+          </a:fillRef>
+          <a:effectRef idx="0">
+            <a:schemeClr val="accent2"/>
+          </a:effectRef>
+          <a:fontRef idx="minor">
+            <a:schemeClr val="tx1"/>
+          </a:fontRef>
+        </p:style>
+      </p:cxnSp>
+      <p:cxnSp>
+        <p:nvCxnSpPr>
+          <p:cNvPr id="19" name="Conector recto 18"/>
+          <p:cNvCxnSpPr/>
+          <p:nvPr/>
+        </p:nvCxnSpPr>
+        <p:spPr>
+          <a:xfrm>
+            <a:off x="616688" y="5276567"/>
+            <a:ext cx="3099527" cy="18447"/>
+          </a:xfrm>
+          <a:prstGeom prst="line">
+            <a:avLst/>
+          </a:prstGeom>
+          <a:ln w="76200">
+            <a:solidFill>
+              <a:srgbClr val="FF0000"/>
+            </a:solidFill>
+          </a:ln>
+        </p:spPr>
+        <p:style>
+          <a:lnRef idx="1">
+            <a:schemeClr val="accent2"/>
+          </a:lnRef>
+          <a:fillRef idx="0">
+            <a:schemeClr val="accent2"/>
+          </a:fillRef>
+          <a:effectRef idx="0">
+            <a:schemeClr val="accent2"/>
+          </a:effectRef>
+          <a:fontRef idx="minor">
+            <a:schemeClr val="tx1"/>
+          </a:fontRef>
+        </p:style>
+      </p:cxnSp>
     </p:spTree>
     <p:extLst>
       <p:ext uri="{BB962C8B-B14F-4D97-AF65-F5344CB8AC3E}">
@@ -10286,6 +10429,31 @@
         </a:fontRef>
       </a:style>
     </a:spDef>
+    <a:lnDef>
+      <a:spPr>
+        <a:ln w="76200">
+          <a:solidFill>
+            <a:srgbClr val="FF0000"/>
+          </a:solidFill>
+        </a:ln>
+      </a:spPr>
+      <a:bodyPr/>
+      <a:lstStyle/>
+      <a:style>
+        <a:lnRef idx="1">
+          <a:schemeClr val="accent2"/>
+        </a:lnRef>
+        <a:fillRef idx="0">
+          <a:schemeClr val="accent2"/>
+        </a:fillRef>
+        <a:effectRef idx="0">
+          <a:schemeClr val="accent2"/>
+        </a:effectRef>
+        <a:fontRef idx="minor">
+          <a:schemeClr val="tx1"/>
+        </a:fontRef>
+      </a:style>
+    </a:lnDef>
   </a:objectDefaults>
   <a:extraClrSchemeLst/>
   <a:extLst>
